--- a/images/Client-RIP-OL.pptx
+++ b/images/Client-RIP-OL.pptx
@@ -104,7 +104,329 @@
       </a:defRPr>
     </a:lvl9pPr>
   </p:defaultTextStyle>
+  <p:extLst>
+    <p:ext uri="{EFAFB233-063F-42B5-8137-9DF3F51BA10A}">
+      <p15:sldGuideLst xmlns:p15="http://schemas.microsoft.com/office/powerpoint/2012/main"/>
+    </p:ext>
+  </p:extLst>
 </p:presentation>
+</file>
+
+<file path=ppt/revisionInfo.xml><?xml version="1.0" encoding="utf-8"?>
+<p1510:revInfo xmlns:a="http://schemas.openxmlformats.org/drawingml/2006/main" xmlns:r="http://schemas.openxmlformats.org/officeDocument/2006/relationships" xmlns:p1510="http://schemas.microsoft.com/office/powerpoint/2015/10/main">
+  <p1510:revLst>
+    <p1510:client id="{BFE64066-3C91-49A1-9440-4F6BF6A34C1D}" v="99" dt="2022-11-20T13:38:24.724"/>
+  </p1510:revLst>
+</p1510:revInfo>
+</file>
+
+<file path=ppt/changesInfos/changesInfo1.xml><?xml version="1.0" encoding="utf-8"?>
+<pc:chgInfo xmlns:a="http://schemas.openxmlformats.org/drawingml/2006/main" xmlns:r="http://schemas.openxmlformats.org/officeDocument/2006/relationships" xmlns:ac="http://schemas.microsoft.com/office/drawing/2013/main/command" xmlns:pc="http://schemas.microsoft.com/office/powerpoint/2013/main/command">
+  <pc:docChgLst>
+    <pc:chgData name="LUIS DE LA TORRE CUBILLO" userId="ef22d941-8fd9-4195-a6a9-a0ff0659d3e5" providerId="ADAL" clId="{BFE64066-3C91-49A1-9440-4F6BF6A34C1D}"/>
+    <pc:docChg chg="undo custSel modSld">
+      <pc:chgData name="LUIS DE LA TORRE CUBILLO" userId="ef22d941-8fd9-4195-a6a9-a0ff0659d3e5" providerId="ADAL" clId="{BFE64066-3C91-49A1-9440-4F6BF6A34C1D}" dt="2022-11-20T13:39:24.456" v="276" actId="1038"/>
+      <pc:docMkLst>
+        <pc:docMk/>
+      </pc:docMkLst>
+      <pc:sldChg chg="addSp delSp modSp mod modAnim">
+        <pc:chgData name="LUIS DE LA TORRE CUBILLO" userId="ef22d941-8fd9-4195-a6a9-a0ff0659d3e5" providerId="ADAL" clId="{BFE64066-3C91-49A1-9440-4F6BF6A34C1D}" dt="2022-11-20T13:39:24.456" v="276" actId="1038"/>
+        <pc:sldMkLst>
+          <pc:docMk/>
+          <pc:sldMk cId="3339816073" sldId="256"/>
+        </pc:sldMkLst>
+        <pc:spChg chg="mod">
+          <ac:chgData name="LUIS DE LA TORRE CUBILLO" userId="ef22d941-8fd9-4195-a6a9-a0ff0659d3e5" providerId="ADAL" clId="{BFE64066-3C91-49A1-9440-4F6BF6A34C1D}" dt="2022-11-20T13:12:56.178" v="12" actId="1037"/>
+          <ac:spMkLst>
+            <pc:docMk/>
+            <pc:sldMk cId="3339816073" sldId="256"/>
+            <ac:spMk id="5" creationId="{D128444F-56A8-4B33-BE5C-4CDF8F84343B}"/>
+          </ac:spMkLst>
+        </pc:spChg>
+        <pc:spChg chg="mod topLvl">
+          <ac:chgData name="LUIS DE LA TORRE CUBILLO" userId="ef22d941-8fd9-4195-a6a9-a0ff0659d3e5" providerId="ADAL" clId="{BFE64066-3C91-49A1-9440-4F6BF6A34C1D}" dt="2022-11-20T13:20:46.041" v="86" actId="1037"/>
+          <ac:spMkLst>
+            <pc:docMk/>
+            <pc:sldMk cId="3339816073" sldId="256"/>
+            <ac:spMk id="13" creationId="{9722BBA5-E1F8-4FC1-A659-9418A3E293E7}"/>
+          </ac:spMkLst>
+        </pc:spChg>
+        <pc:spChg chg="mod topLvl">
+          <ac:chgData name="LUIS DE LA TORRE CUBILLO" userId="ef22d941-8fd9-4195-a6a9-a0ff0659d3e5" providerId="ADAL" clId="{BFE64066-3C91-49A1-9440-4F6BF6A34C1D}" dt="2022-11-20T13:39:24.456" v="276" actId="1038"/>
+          <ac:spMkLst>
+            <pc:docMk/>
+            <pc:sldMk cId="3339816073" sldId="256"/>
+            <ac:spMk id="14" creationId="{540CB6EB-3C35-4DCB-9E79-E2CD047E27C6}"/>
+          </ac:spMkLst>
+        </pc:spChg>
+        <pc:spChg chg="mod">
+          <ac:chgData name="LUIS DE LA TORRE CUBILLO" userId="ef22d941-8fd9-4195-a6a9-a0ff0659d3e5" providerId="ADAL" clId="{BFE64066-3C91-49A1-9440-4F6BF6A34C1D}" dt="2022-11-20T13:12:56.178" v="12" actId="1037"/>
+          <ac:spMkLst>
+            <pc:docMk/>
+            <pc:sldMk cId="3339816073" sldId="256"/>
+            <ac:spMk id="18" creationId="{5125E1A5-BFC9-4DBB-9651-A28B2480ED00}"/>
+          </ac:spMkLst>
+        </pc:spChg>
+        <pc:spChg chg="mod">
+          <ac:chgData name="LUIS DE LA TORRE CUBILLO" userId="ef22d941-8fd9-4195-a6a9-a0ff0659d3e5" providerId="ADAL" clId="{BFE64066-3C91-49A1-9440-4F6BF6A34C1D}" dt="2022-11-20T13:12:56.178" v="12" actId="1037"/>
+          <ac:spMkLst>
+            <pc:docMk/>
+            <pc:sldMk cId="3339816073" sldId="256"/>
+            <ac:spMk id="19" creationId="{5EAF05C5-4A3F-49BA-B073-FDE28A14539E}"/>
+          </ac:spMkLst>
+        </pc:spChg>
+        <pc:spChg chg="mod">
+          <ac:chgData name="LUIS DE LA TORRE CUBILLO" userId="ef22d941-8fd9-4195-a6a9-a0ff0659d3e5" providerId="ADAL" clId="{BFE64066-3C91-49A1-9440-4F6BF6A34C1D}" dt="2022-11-20T13:12:56.178" v="12" actId="1037"/>
+          <ac:spMkLst>
+            <pc:docMk/>
+            <pc:sldMk cId="3339816073" sldId="256"/>
+            <ac:spMk id="30" creationId="{78EEA250-CA6A-4E6D-A88E-9EC3F1A527D7}"/>
+          </ac:spMkLst>
+        </pc:spChg>
+        <pc:spChg chg="add mod">
+          <ac:chgData name="LUIS DE LA TORRE CUBILLO" userId="ef22d941-8fd9-4195-a6a9-a0ff0659d3e5" providerId="ADAL" clId="{BFE64066-3C91-49A1-9440-4F6BF6A34C1D}" dt="2022-11-20T13:24:30.377" v="145" actId="1038"/>
+          <ac:spMkLst>
+            <pc:docMk/>
+            <pc:sldMk cId="3339816073" sldId="256"/>
+            <ac:spMk id="33" creationId="{206AC308-55FE-40D9-8322-CD6EDA3EA2C7}"/>
+          </ac:spMkLst>
+        </pc:spChg>
+        <pc:spChg chg="add del mod">
+          <ac:chgData name="LUIS DE LA TORRE CUBILLO" userId="ef22d941-8fd9-4195-a6a9-a0ff0659d3e5" providerId="ADAL" clId="{BFE64066-3C91-49A1-9440-4F6BF6A34C1D}" dt="2022-11-20T13:26:06.556" v="146" actId="21"/>
+          <ac:spMkLst>
+            <pc:docMk/>
+            <pc:sldMk cId="3339816073" sldId="256"/>
+            <ac:spMk id="35" creationId="{D688F0FF-8DBB-4E66-BB59-C8C1481B3BEC}"/>
+          </ac:spMkLst>
+        </pc:spChg>
+        <pc:spChg chg="mod">
+          <ac:chgData name="LUIS DE LA TORRE CUBILLO" userId="ef22d941-8fd9-4195-a6a9-a0ff0659d3e5" providerId="ADAL" clId="{BFE64066-3C91-49A1-9440-4F6BF6A34C1D}" dt="2022-11-20T13:12:56.178" v="12" actId="1037"/>
+          <ac:spMkLst>
+            <pc:docMk/>
+            <pc:sldMk cId="3339816073" sldId="256"/>
+            <ac:spMk id="37" creationId="{0A001D66-A75F-447E-A104-3454D7654BB1}"/>
+          </ac:spMkLst>
+        </pc:spChg>
+        <pc:spChg chg="mod">
+          <ac:chgData name="LUIS DE LA TORRE CUBILLO" userId="ef22d941-8fd9-4195-a6a9-a0ff0659d3e5" providerId="ADAL" clId="{BFE64066-3C91-49A1-9440-4F6BF6A34C1D}" dt="2022-11-20T13:12:56.178" v="12" actId="1037"/>
+          <ac:spMkLst>
+            <pc:docMk/>
+            <pc:sldMk cId="3339816073" sldId="256"/>
+            <ac:spMk id="38" creationId="{3E854553-7AD1-4B6F-A3D5-94D9CE07A334}"/>
+          </ac:spMkLst>
+        </pc:spChg>
+        <pc:spChg chg="mod">
+          <ac:chgData name="LUIS DE LA TORRE CUBILLO" userId="ef22d941-8fd9-4195-a6a9-a0ff0659d3e5" providerId="ADAL" clId="{BFE64066-3C91-49A1-9440-4F6BF6A34C1D}" dt="2022-11-20T13:12:56.178" v="12" actId="1037"/>
+          <ac:spMkLst>
+            <pc:docMk/>
+            <pc:sldMk cId="3339816073" sldId="256"/>
+            <ac:spMk id="39" creationId="{E592C383-A8F7-44B5-8FE1-402B0BFC762A}"/>
+          </ac:spMkLst>
+        </pc:spChg>
+        <pc:spChg chg="add mod">
+          <ac:chgData name="LUIS DE LA TORRE CUBILLO" userId="ef22d941-8fd9-4195-a6a9-a0ff0659d3e5" providerId="ADAL" clId="{BFE64066-3C91-49A1-9440-4F6BF6A34C1D}" dt="2022-11-20T13:21:40.441" v="104" actId="1035"/>
+          <ac:spMkLst>
+            <pc:docMk/>
+            <pc:sldMk cId="3339816073" sldId="256"/>
+            <ac:spMk id="42" creationId="{BEE87518-18B4-42D2-8F1F-FD12B0CD633E}"/>
+          </ac:spMkLst>
+        </pc:spChg>
+        <pc:spChg chg="add mod">
+          <ac:chgData name="LUIS DE LA TORRE CUBILLO" userId="ef22d941-8fd9-4195-a6a9-a0ff0659d3e5" providerId="ADAL" clId="{BFE64066-3C91-49A1-9440-4F6BF6A34C1D}" dt="2022-11-20T13:39:24.456" v="276" actId="1038"/>
+          <ac:spMkLst>
+            <pc:docMk/>
+            <pc:sldMk cId="3339816073" sldId="256"/>
+            <ac:spMk id="44" creationId="{8BFD9AE7-7616-40A6-8848-7E817AF6417E}"/>
+          </ac:spMkLst>
+        </pc:spChg>
+        <pc:spChg chg="mod">
+          <ac:chgData name="LUIS DE LA TORRE CUBILLO" userId="ef22d941-8fd9-4195-a6a9-a0ff0659d3e5" providerId="ADAL" clId="{BFE64066-3C91-49A1-9440-4F6BF6A34C1D}" dt="2022-11-20T13:35:28.855" v="261" actId="1076"/>
+          <ac:spMkLst>
+            <pc:docMk/>
+            <pc:sldMk cId="3339816073" sldId="256"/>
+            <ac:spMk id="49" creationId="{078E225A-BA9D-4367-9F93-68B0170E04B2}"/>
+          </ac:spMkLst>
+        </pc:spChg>
+        <pc:grpChg chg="del mod">
+          <ac:chgData name="LUIS DE LA TORRE CUBILLO" userId="ef22d941-8fd9-4195-a6a9-a0ff0659d3e5" providerId="ADAL" clId="{BFE64066-3C91-49A1-9440-4F6BF6A34C1D}" dt="2022-11-20T13:20:35.237" v="82" actId="165"/>
+          <ac:grpSpMkLst>
+            <pc:docMk/>
+            <pc:sldMk cId="3339816073" sldId="256"/>
+            <ac:grpSpMk id="15" creationId="{891DA6F1-9DA0-4CD6-89FD-4DB3989CA63E}"/>
+          </ac:grpSpMkLst>
+        </pc:grpChg>
+        <pc:grpChg chg="del mod">
+          <ac:chgData name="LUIS DE LA TORRE CUBILLO" userId="ef22d941-8fd9-4195-a6a9-a0ff0659d3e5" providerId="ADAL" clId="{BFE64066-3C91-49A1-9440-4F6BF6A34C1D}" dt="2022-11-20T13:23:43.639" v="123" actId="165"/>
+          <ac:grpSpMkLst>
+            <pc:docMk/>
+            <pc:sldMk cId="3339816073" sldId="256"/>
+            <ac:grpSpMk id="16" creationId="{601DF264-696C-42DA-AF8C-F86190F2BBEC}"/>
+          </ac:grpSpMkLst>
+        </pc:grpChg>
+        <pc:grpChg chg="mod">
+          <ac:chgData name="LUIS DE LA TORRE CUBILLO" userId="ef22d941-8fd9-4195-a6a9-a0ff0659d3e5" providerId="ADAL" clId="{BFE64066-3C91-49A1-9440-4F6BF6A34C1D}" dt="2022-11-20T13:12:56.178" v="12" actId="1037"/>
+          <ac:grpSpMkLst>
+            <pc:docMk/>
+            <pc:sldMk cId="3339816073" sldId="256"/>
+            <ac:grpSpMk id="17" creationId="{49DC1630-AEA2-40D9-A801-E071212F9FCE}"/>
+          </ac:grpSpMkLst>
+        </pc:grpChg>
+        <pc:picChg chg="mod">
+          <ac:chgData name="LUIS DE LA TORRE CUBILLO" userId="ef22d941-8fd9-4195-a6a9-a0ff0659d3e5" providerId="ADAL" clId="{BFE64066-3C91-49A1-9440-4F6BF6A34C1D}" dt="2022-11-20T13:12:56.178" v="12" actId="1037"/>
+          <ac:picMkLst>
+            <pc:docMk/>
+            <pc:sldMk cId="3339816073" sldId="256"/>
+            <ac:picMk id="4" creationId="{56BCDE76-4012-414D-82D6-F3515145B6E5}"/>
+          </ac:picMkLst>
+        </pc:picChg>
+        <pc:picChg chg="mod topLvl">
+          <ac:chgData name="LUIS DE LA TORRE CUBILLO" userId="ef22d941-8fd9-4195-a6a9-a0ff0659d3e5" providerId="ADAL" clId="{BFE64066-3C91-49A1-9440-4F6BF6A34C1D}" dt="2022-11-20T13:23:43.639" v="123" actId="165"/>
+          <ac:picMkLst>
+            <pc:docMk/>
+            <pc:sldMk cId="3339816073" sldId="256"/>
+            <ac:picMk id="6" creationId="{0F6D73F3-9285-4C06-B779-6CD84A9BD574}"/>
+          </ac:picMkLst>
+        </pc:picChg>
+        <pc:picChg chg="mod topLvl">
+          <ac:chgData name="LUIS DE LA TORRE CUBILLO" userId="ef22d941-8fd9-4195-a6a9-a0ff0659d3e5" providerId="ADAL" clId="{BFE64066-3C91-49A1-9440-4F6BF6A34C1D}" dt="2022-11-20T13:20:35.237" v="82" actId="165"/>
+          <ac:picMkLst>
+            <pc:docMk/>
+            <pc:sldMk cId="3339816073" sldId="256"/>
+            <ac:picMk id="7" creationId="{DB3BDA07-739D-443C-9B6C-A079106E74BA}"/>
+          </ac:picMkLst>
+        </pc:picChg>
+        <pc:picChg chg="mod topLvl">
+          <ac:chgData name="LUIS DE LA TORRE CUBILLO" userId="ef22d941-8fd9-4195-a6a9-a0ff0659d3e5" providerId="ADAL" clId="{BFE64066-3C91-49A1-9440-4F6BF6A34C1D}" dt="2022-11-20T13:39:24.456" v="276" actId="1038"/>
+          <ac:picMkLst>
+            <pc:docMk/>
+            <pc:sldMk cId="3339816073" sldId="256"/>
+            <ac:picMk id="10" creationId="{FB516D96-3B1E-4C8B-A376-A9F80593B2A7}"/>
+          </ac:picMkLst>
+        </pc:picChg>
+        <pc:picChg chg="mod topLvl">
+          <ac:chgData name="LUIS DE LA TORRE CUBILLO" userId="ef22d941-8fd9-4195-a6a9-a0ff0659d3e5" providerId="ADAL" clId="{BFE64066-3C91-49A1-9440-4F6BF6A34C1D}" dt="2022-11-20T13:20:46.041" v="86" actId="1037"/>
+          <ac:picMkLst>
+            <pc:docMk/>
+            <pc:sldMk cId="3339816073" sldId="256"/>
+            <ac:picMk id="11" creationId="{2867B300-09A6-439F-BBED-B6114E4B60F1}"/>
+          </ac:picMkLst>
+        </pc:picChg>
+        <pc:picChg chg="mod">
+          <ac:chgData name="LUIS DE LA TORRE CUBILLO" userId="ef22d941-8fd9-4195-a6a9-a0ff0659d3e5" providerId="ADAL" clId="{BFE64066-3C91-49A1-9440-4F6BF6A34C1D}" dt="2022-11-20T13:12:56.178" v="12" actId="1037"/>
+          <ac:picMkLst>
+            <pc:docMk/>
+            <pc:sldMk cId="3339816073" sldId="256"/>
+            <ac:picMk id="23" creationId="{C2669EFC-088B-4D43-BE30-9CCDDC506D41}"/>
+          </ac:picMkLst>
+        </pc:picChg>
+        <pc:picChg chg="mod">
+          <ac:chgData name="LUIS DE LA TORRE CUBILLO" userId="ef22d941-8fd9-4195-a6a9-a0ff0659d3e5" providerId="ADAL" clId="{BFE64066-3C91-49A1-9440-4F6BF6A34C1D}" dt="2022-11-20T13:12:56.178" v="12" actId="1037"/>
+          <ac:picMkLst>
+            <pc:docMk/>
+            <pc:sldMk cId="3339816073" sldId="256"/>
+            <ac:picMk id="28" creationId="{3F7ADA97-E1A2-4B61-A52E-3FE00BEB5046}"/>
+          </ac:picMkLst>
+        </pc:picChg>
+        <pc:picChg chg="add mod">
+          <ac:chgData name="LUIS DE LA TORRE CUBILLO" userId="ef22d941-8fd9-4195-a6a9-a0ff0659d3e5" providerId="ADAL" clId="{BFE64066-3C91-49A1-9440-4F6BF6A34C1D}" dt="2022-11-20T13:20:46.041" v="86" actId="1037"/>
+          <ac:picMkLst>
+            <pc:docMk/>
+            <pc:sldMk cId="3339816073" sldId="256"/>
+            <ac:picMk id="31" creationId="{C7540D9C-F75A-4410-8893-DAD8CD10937B}"/>
+          </ac:picMkLst>
+        </pc:picChg>
+        <pc:picChg chg="add mod">
+          <ac:chgData name="LUIS DE LA TORRE CUBILLO" userId="ef22d941-8fd9-4195-a6a9-a0ff0659d3e5" providerId="ADAL" clId="{BFE64066-3C91-49A1-9440-4F6BF6A34C1D}" dt="2022-11-20T13:39:24.456" v="276" actId="1038"/>
+          <ac:picMkLst>
+            <pc:docMk/>
+            <pc:sldMk cId="3339816073" sldId="256"/>
+            <ac:picMk id="32" creationId="{3F448DBD-A8E8-4DE4-9B6E-DB85CB8A8345}"/>
+          </ac:picMkLst>
+        </pc:picChg>
+        <pc:picChg chg="mod">
+          <ac:chgData name="LUIS DE LA TORRE CUBILLO" userId="ef22d941-8fd9-4195-a6a9-a0ff0659d3e5" providerId="ADAL" clId="{BFE64066-3C91-49A1-9440-4F6BF6A34C1D}" dt="2022-11-20T13:12:56.178" v="12" actId="1037"/>
+          <ac:picMkLst>
+            <pc:docMk/>
+            <pc:sldMk cId="3339816073" sldId="256"/>
+            <ac:picMk id="34" creationId="{3020D033-8E17-4060-BB6B-EC6036FED58F}"/>
+          </ac:picMkLst>
+        </pc:picChg>
+        <pc:picChg chg="add mod modCrop">
+          <ac:chgData name="LUIS DE LA TORRE CUBILLO" userId="ef22d941-8fd9-4195-a6a9-a0ff0659d3e5" providerId="ADAL" clId="{BFE64066-3C91-49A1-9440-4F6BF6A34C1D}" dt="2022-11-20T13:39:24.456" v="276" actId="1038"/>
+          <ac:picMkLst>
+            <pc:docMk/>
+            <pc:sldMk cId="3339816073" sldId="256"/>
+            <ac:picMk id="35" creationId="{E38CE741-FBDA-4B2F-AFA1-FAF888974E77}"/>
+          </ac:picMkLst>
+        </pc:picChg>
+        <pc:picChg chg="add mod">
+          <ac:chgData name="LUIS DE LA TORRE CUBILLO" userId="ef22d941-8fd9-4195-a6a9-a0ff0659d3e5" providerId="ADAL" clId="{BFE64066-3C91-49A1-9440-4F6BF6A34C1D}" dt="2022-11-20T13:20:46.041" v="86" actId="1037"/>
+          <ac:picMkLst>
+            <pc:docMk/>
+            <pc:sldMk cId="3339816073" sldId="256"/>
+            <ac:picMk id="36" creationId="{C2E1E7F4-DDCC-40B2-9EB6-2DC33EE57D85}"/>
+          </ac:picMkLst>
+        </pc:picChg>
+        <pc:picChg chg="mod">
+          <ac:chgData name="LUIS DE LA TORRE CUBILLO" userId="ef22d941-8fd9-4195-a6a9-a0ff0659d3e5" providerId="ADAL" clId="{BFE64066-3C91-49A1-9440-4F6BF6A34C1D}" dt="2022-11-20T13:12:56.178" v="12" actId="1037"/>
+          <ac:picMkLst>
+            <pc:docMk/>
+            <pc:sldMk cId="3339816073" sldId="256"/>
+            <ac:picMk id="40" creationId="{4326B1DD-ADD0-45A4-B8F4-D7C5D668D3AF}"/>
+          </ac:picMkLst>
+        </pc:picChg>
+        <pc:picChg chg="mod">
+          <ac:chgData name="LUIS DE LA TORRE CUBILLO" userId="ef22d941-8fd9-4195-a6a9-a0ff0659d3e5" providerId="ADAL" clId="{BFE64066-3C91-49A1-9440-4F6BF6A34C1D}" dt="2022-11-20T13:12:56.178" v="12" actId="1037"/>
+          <ac:picMkLst>
+            <pc:docMk/>
+            <pc:sldMk cId="3339816073" sldId="256"/>
+            <ac:picMk id="41" creationId="{817F8A29-CD57-4B26-AF37-C1FAA83C9A8E}"/>
+          </ac:picMkLst>
+        </pc:picChg>
+        <pc:picChg chg="add del mod">
+          <ac:chgData name="LUIS DE LA TORRE CUBILLO" userId="ef22d941-8fd9-4195-a6a9-a0ff0659d3e5" providerId="ADAL" clId="{BFE64066-3C91-49A1-9440-4F6BF6A34C1D}" dt="2022-11-20T13:26:06.556" v="146" actId="21"/>
+          <ac:picMkLst>
+            <pc:docMk/>
+            <pc:sldMk cId="3339816073" sldId="256"/>
+            <ac:picMk id="43" creationId="{2DA5F7FB-6930-4868-8F9F-7D673182914E}"/>
+          </ac:picMkLst>
+        </pc:picChg>
+        <pc:picChg chg="mod">
+          <ac:chgData name="LUIS DE LA TORRE CUBILLO" userId="ef22d941-8fd9-4195-a6a9-a0ff0659d3e5" providerId="ADAL" clId="{BFE64066-3C91-49A1-9440-4F6BF6A34C1D}" dt="2022-11-20T13:23:46.553" v="125" actId="1076"/>
+          <ac:picMkLst>
+            <pc:docMk/>
+            <pc:sldMk cId="3339816073" sldId="256"/>
+            <ac:picMk id="45" creationId="{00D56949-E2BB-4750-907B-73F436E6D66C}"/>
+          </ac:picMkLst>
+        </pc:picChg>
+        <pc:picChg chg="add del mod">
+          <ac:chgData name="LUIS DE LA TORRE CUBILLO" userId="ef22d941-8fd9-4195-a6a9-a0ff0659d3e5" providerId="ADAL" clId="{BFE64066-3C91-49A1-9440-4F6BF6A34C1D}" dt="2022-11-20T13:38:23.743" v="262" actId="478"/>
+          <ac:picMkLst>
+            <pc:docMk/>
+            <pc:sldMk cId="3339816073" sldId="256"/>
+            <ac:picMk id="46" creationId="{C90EF335-8A5B-40A7-B03A-C716C1D8FA2F}"/>
+          </ac:picMkLst>
+        </pc:picChg>
+        <pc:picChg chg="mod">
+          <ac:chgData name="LUIS DE LA TORRE CUBILLO" userId="ef22d941-8fd9-4195-a6a9-a0ff0659d3e5" providerId="ADAL" clId="{BFE64066-3C91-49A1-9440-4F6BF6A34C1D}" dt="2022-11-20T13:12:56.178" v="12" actId="1037"/>
+          <ac:picMkLst>
+            <pc:docMk/>
+            <pc:sldMk cId="3339816073" sldId="256"/>
+            <ac:picMk id="51" creationId="{4C9FD021-A16D-480D-99E0-E7B7DEA53BDE}"/>
+          </ac:picMkLst>
+        </pc:picChg>
+        <pc:picChg chg="mod">
+          <ac:chgData name="LUIS DE LA TORRE CUBILLO" userId="ef22d941-8fd9-4195-a6a9-a0ff0659d3e5" providerId="ADAL" clId="{BFE64066-3C91-49A1-9440-4F6BF6A34C1D}" dt="2022-11-20T13:12:56.178" v="12" actId="1037"/>
+          <ac:picMkLst>
+            <pc:docMk/>
+            <pc:sldMk cId="3339816073" sldId="256"/>
+            <ac:picMk id="52" creationId="{F6AD9D7A-A22F-41C6-BA35-16D48452499B}"/>
+          </ac:picMkLst>
+        </pc:picChg>
+      </pc:sldChg>
+    </pc:docChg>
+  </pc:docChgLst>
+</pc:chgInfo>
 </file>
 
 <file path=ppt/slideLayouts/slideLayout1.xml><?xml version="1.0" encoding="utf-8"?>
@@ -254,7 +576,7 @@
           <a:p>
             <a:fld id="{2EB6EC2F-CF1E-4D8E-8A3E-451D61068EC9}" type="datetimeFigureOut">
               <a:rPr lang="es-ES" smtClean="0"/>
-              <a:t>24/11/2018</a:t>
+              <a:t>20/11/2022</a:t>
             </a:fld>
             <a:endParaRPr lang="es-ES"/>
           </a:p>
@@ -308,7 +630,7 @@
           <a:p>
             <a:fld id="{228739FA-F7D9-4A54-9EEE-082722524599}" type="slidenum">
               <a:rPr lang="es-ES" smtClean="0"/>
-              <a:t>‹Nº›</a:t>
+              <a:t>‹#›</a:t>
             </a:fld>
             <a:endParaRPr lang="es-ES"/>
           </a:p>
@@ -452,7 +774,7 @@
           <a:p>
             <a:fld id="{2EB6EC2F-CF1E-4D8E-8A3E-451D61068EC9}" type="datetimeFigureOut">
               <a:rPr lang="es-ES" smtClean="0"/>
-              <a:t>24/11/2018</a:t>
+              <a:t>20/11/2022</a:t>
             </a:fld>
             <a:endParaRPr lang="es-ES"/>
           </a:p>
@@ -506,7 +828,7 @@
           <a:p>
             <a:fld id="{228739FA-F7D9-4A54-9EEE-082722524599}" type="slidenum">
               <a:rPr lang="es-ES" smtClean="0"/>
-              <a:t>‹Nº›</a:t>
+              <a:t>‹#›</a:t>
             </a:fld>
             <a:endParaRPr lang="es-ES"/>
           </a:p>
@@ -660,7 +982,7 @@
           <a:p>
             <a:fld id="{2EB6EC2F-CF1E-4D8E-8A3E-451D61068EC9}" type="datetimeFigureOut">
               <a:rPr lang="es-ES" smtClean="0"/>
-              <a:t>24/11/2018</a:t>
+              <a:t>20/11/2022</a:t>
             </a:fld>
             <a:endParaRPr lang="es-ES"/>
           </a:p>
@@ -714,7 +1036,7 @@
           <a:p>
             <a:fld id="{228739FA-F7D9-4A54-9EEE-082722524599}" type="slidenum">
               <a:rPr lang="es-ES" smtClean="0"/>
-              <a:t>‹Nº›</a:t>
+              <a:t>‹#›</a:t>
             </a:fld>
             <a:endParaRPr lang="es-ES"/>
           </a:p>
@@ -858,7 +1180,7 @@
           <a:p>
             <a:fld id="{2EB6EC2F-CF1E-4D8E-8A3E-451D61068EC9}" type="datetimeFigureOut">
               <a:rPr lang="es-ES" smtClean="0"/>
-              <a:t>24/11/2018</a:t>
+              <a:t>20/11/2022</a:t>
             </a:fld>
             <a:endParaRPr lang="es-ES"/>
           </a:p>
@@ -912,7 +1234,7 @@
           <a:p>
             <a:fld id="{228739FA-F7D9-4A54-9EEE-082722524599}" type="slidenum">
               <a:rPr lang="es-ES" smtClean="0"/>
-              <a:t>‹Nº›</a:t>
+              <a:t>‹#›</a:t>
             </a:fld>
             <a:endParaRPr lang="es-ES"/>
           </a:p>
@@ -1133,7 +1455,7 @@
           <a:p>
             <a:fld id="{2EB6EC2F-CF1E-4D8E-8A3E-451D61068EC9}" type="datetimeFigureOut">
               <a:rPr lang="es-ES" smtClean="0"/>
-              <a:t>24/11/2018</a:t>
+              <a:t>20/11/2022</a:t>
             </a:fld>
             <a:endParaRPr lang="es-ES"/>
           </a:p>
@@ -1187,7 +1509,7 @@
           <a:p>
             <a:fld id="{228739FA-F7D9-4A54-9EEE-082722524599}" type="slidenum">
               <a:rPr lang="es-ES" smtClean="0"/>
-              <a:t>‹Nº›</a:t>
+              <a:t>‹#›</a:t>
             </a:fld>
             <a:endParaRPr lang="es-ES"/>
           </a:p>
@@ -1398,7 +1720,7 @@
           <a:p>
             <a:fld id="{2EB6EC2F-CF1E-4D8E-8A3E-451D61068EC9}" type="datetimeFigureOut">
               <a:rPr lang="es-ES" smtClean="0"/>
-              <a:t>24/11/2018</a:t>
+              <a:t>20/11/2022</a:t>
             </a:fld>
             <a:endParaRPr lang="es-ES"/>
           </a:p>
@@ -1452,7 +1774,7 @@
           <a:p>
             <a:fld id="{228739FA-F7D9-4A54-9EEE-082722524599}" type="slidenum">
               <a:rPr lang="es-ES" smtClean="0"/>
-              <a:t>‹Nº›</a:t>
+              <a:t>‹#›</a:t>
             </a:fld>
             <a:endParaRPr lang="es-ES"/>
           </a:p>
@@ -1810,7 +2132,7 @@
           <a:p>
             <a:fld id="{2EB6EC2F-CF1E-4D8E-8A3E-451D61068EC9}" type="datetimeFigureOut">
               <a:rPr lang="es-ES" smtClean="0"/>
-              <a:t>24/11/2018</a:t>
+              <a:t>20/11/2022</a:t>
             </a:fld>
             <a:endParaRPr lang="es-ES"/>
           </a:p>
@@ -1864,7 +2186,7 @@
           <a:p>
             <a:fld id="{228739FA-F7D9-4A54-9EEE-082722524599}" type="slidenum">
               <a:rPr lang="es-ES" smtClean="0"/>
-              <a:t>‹Nº›</a:t>
+              <a:t>‹#›</a:t>
             </a:fld>
             <a:endParaRPr lang="es-ES"/>
           </a:p>
@@ -1951,7 +2273,7 @@
           <a:p>
             <a:fld id="{2EB6EC2F-CF1E-4D8E-8A3E-451D61068EC9}" type="datetimeFigureOut">
               <a:rPr lang="es-ES" smtClean="0"/>
-              <a:t>24/11/2018</a:t>
+              <a:t>20/11/2022</a:t>
             </a:fld>
             <a:endParaRPr lang="es-ES"/>
           </a:p>
@@ -2005,7 +2327,7 @@
           <a:p>
             <a:fld id="{228739FA-F7D9-4A54-9EEE-082722524599}" type="slidenum">
               <a:rPr lang="es-ES" smtClean="0"/>
-              <a:t>‹Nº›</a:t>
+              <a:t>‹#›</a:t>
             </a:fld>
             <a:endParaRPr lang="es-ES"/>
           </a:p>
@@ -2064,7 +2386,7 @@
           <a:p>
             <a:fld id="{2EB6EC2F-CF1E-4D8E-8A3E-451D61068EC9}" type="datetimeFigureOut">
               <a:rPr lang="es-ES" smtClean="0"/>
-              <a:t>24/11/2018</a:t>
+              <a:t>20/11/2022</a:t>
             </a:fld>
             <a:endParaRPr lang="es-ES"/>
           </a:p>
@@ -2118,7 +2440,7 @@
           <a:p>
             <a:fld id="{228739FA-F7D9-4A54-9EEE-082722524599}" type="slidenum">
               <a:rPr lang="es-ES" smtClean="0"/>
-              <a:t>‹Nº›</a:t>
+              <a:t>‹#›</a:t>
             </a:fld>
             <a:endParaRPr lang="es-ES"/>
           </a:p>
@@ -2375,7 +2697,7 @@
           <a:p>
             <a:fld id="{2EB6EC2F-CF1E-4D8E-8A3E-451D61068EC9}" type="datetimeFigureOut">
               <a:rPr lang="es-ES" smtClean="0"/>
-              <a:t>24/11/2018</a:t>
+              <a:t>20/11/2022</a:t>
             </a:fld>
             <a:endParaRPr lang="es-ES"/>
           </a:p>
@@ -2429,7 +2751,7 @@
           <a:p>
             <a:fld id="{228739FA-F7D9-4A54-9EEE-082722524599}" type="slidenum">
               <a:rPr lang="es-ES" smtClean="0"/>
-              <a:t>‹Nº›</a:t>
+              <a:t>‹#›</a:t>
             </a:fld>
             <a:endParaRPr lang="es-ES"/>
           </a:p>
@@ -2663,7 +2985,7 @@
           <a:p>
             <a:fld id="{2EB6EC2F-CF1E-4D8E-8A3E-451D61068EC9}" type="datetimeFigureOut">
               <a:rPr lang="es-ES" smtClean="0"/>
-              <a:t>24/11/2018</a:t>
+              <a:t>20/11/2022</a:t>
             </a:fld>
             <a:endParaRPr lang="es-ES"/>
           </a:p>
@@ -2717,7 +3039,7 @@
           <a:p>
             <a:fld id="{228739FA-F7D9-4A54-9EEE-082722524599}" type="slidenum">
               <a:rPr lang="es-ES" smtClean="0"/>
-              <a:t>‹Nº›</a:t>
+              <a:t>‹#›</a:t>
             </a:fld>
             <a:endParaRPr lang="es-ES"/>
           </a:p>
@@ -2904,7 +3226,7 @@
           <a:p>
             <a:fld id="{2EB6EC2F-CF1E-4D8E-8A3E-451D61068EC9}" type="datetimeFigureOut">
               <a:rPr lang="es-ES" smtClean="0"/>
-              <a:t>24/11/2018</a:t>
+              <a:t>20/11/2022</a:t>
             </a:fld>
             <a:endParaRPr lang="es-ES"/>
           </a:p>
@@ -2994,7 +3316,7 @@
           <a:p>
             <a:fld id="{228739FA-F7D9-4A54-9EEE-082722524599}" type="slidenum">
               <a:rPr lang="es-ES" smtClean="0"/>
-              <a:t>‹Nº›</a:t>
+              <a:t>‹#›</a:t>
             </a:fld>
             <a:endParaRPr lang="es-ES"/>
           </a:p>
@@ -3354,7 +3676,7 @@
         </p:blipFill>
         <p:spPr>
           <a:xfrm>
-            <a:off x="725865" y="2940046"/>
+            <a:off x="855611" y="2940046"/>
             <a:ext cx="9964258" cy="4120631"/>
           </a:xfrm>
           <a:prstGeom prst="rect">
@@ -3395,7 +3717,7 @@
         </p:blipFill>
         <p:spPr>
           <a:xfrm>
-            <a:off x="4566229" y="158590"/>
+            <a:off x="4695975" y="158590"/>
             <a:ext cx="2454742" cy="2063022"/>
           </a:xfrm>
           <a:prstGeom prst="rect">
@@ -3417,7 +3739,7 @@
         </p:nvSpPr>
         <p:spPr>
           <a:xfrm>
-            <a:off x="5121780" y="959268"/>
+            <a:off x="5251526" y="959268"/>
             <a:ext cx="1343638" cy="461665"/>
           </a:xfrm>
           <a:prstGeom prst="rect">
@@ -3456,7 +3778,7 @@
         </p:nvGrpSpPr>
         <p:grpSpPr>
           <a:xfrm>
-            <a:off x="8079278" y="3917955"/>
+            <a:off x="8209024" y="3917955"/>
             <a:ext cx="2610844" cy="2700000"/>
             <a:chOff x="8073301" y="3615258"/>
             <a:chExt cx="2945032" cy="3045600"/>
@@ -3540,306 +3862,89 @@
           </p:spPr>
         </p:pic>
       </p:grpSp>
-      <p:grpSp>
-        <p:nvGrpSpPr>
-          <p:cNvPr id="15" name="Grupo 14">
-            <a:extLst>
-              <a:ext uri="{FF2B5EF4-FFF2-40B4-BE49-F238E27FC236}">
-                <a16:creationId xmlns:a16="http://schemas.microsoft.com/office/drawing/2014/main" id="{891DA6F1-9DA0-4CD6-89FD-4DB3989CA63E}"/>
-              </a:ext>
-            </a:extLst>
-          </p:cNvPr>
-          <p:cNvGrpSpPr>
-            <a:grpSpLocks noChangeAspect="1"/>
-          </p:cNvGrpSpPr>
+      <p:pic>
+        <p:nvPicPr>
+          <p:cNvPr id="7" name="Imagen 6">
+            <a:extLst>
+              <a:ext uri="{FF2B5EF4-FFF2-40B4-BE49-F238E27FC236}">
+                <a16:creationId xmlns:a16="http://schemas.microsoft.com/office/drawing/2014/main" id="{DB3BDA07-739D-443C-9B6C-A079106E74BA}"/>
+              </a:ext>
+            </a:extLst>
+          </p:cNvPr>
+          <p:cNvPicPr>
+            <a:picLocks noChangeAspect="1"/>
+          </p:cNvPicPr>
           <p:nvPr/>
-        </p:nvGrpSpPr>
-        <p:grpSpPr>
+        </p:nvPicPr>
+        <p:blipFill rotWithShape="1">
+          <a:blip r:embed="rId6">
+            <a:extLst>
+              <a:ext uri="{BEBA8EAE-BF5A-486C-A8C5-ECC9F3942E4B}">
+                <a14:imgProps xmlns:a14="http://schemas.microsoft.com/office/drawing/2010/main">
+                  <a14:imgLayer r:embed="rId7">
+                    <a14:imgEffect>
+                      <a14:backgroundRemoval t="21204" b="72037" l="46563" r="73125"/>
+                    </a14:imgEffect>
+                  </a14:imgLayer>
+                </a14:imgProps>
+              </a:ext>
+            </a:extLst>
+          </a:blip>
+          <a:srcRect l="46160" t="20344" r="24952" b="26546"/>
+          <a:stretch/>
+        </p:blipFill>
+        <p:spPr>
           <a:xfrm>
-            <a:off x="859510" y="3917955"/>
+            <a:off x="989256" y="3917955"/>
             <a:ext cx="2610846" cy="2700000"/>
-            <a:chOff x="711069" y="3616995"/>
-            <a:chExt cx="2943352" cy="3043863"/>
-          </a:xfrm>
-        </p:grpSpPr>
-        <p:pic>
-          <p:nvPicPr>
-            <p:cNvPr id="7" name="Imagen 6">
-              <a:extLst>
-                <a:ext uri="{FF2B5EF4-FFF2-40B4-BE49-F238E27FC236}">
-                  <a16:creationId xmlns:a16="http://schemas.microsoft.com/office/drawing/2014/main" id="{DB3BDA07-739D-443C-9B6C-A079106E74BA}"/>
-                </a:ext>
-              </a:extLst>
-            </p:cNvPr>
-            <p:cNvPicPr>
-              <a:picLocks noChangeAspect="1"/>
-            </p:cNvPicPr>
-            <p:nvPr/>
-          </p:nvPicPr>
-          <p:blipFill rotWithShape="1">
-            <a:blip r:embed="rId6">
-              <a:extLst>
-                <a:ext uri="{BEBA8EAE-BF5A-486C-A8C5-ECC9F3942E4B}">
-                  <a14:imgProps xmlns:a14="http://schemas.microsoft.com/office/drawing/2010/main">
-                    <a14:imgLayer r:embed="rId7">
-                      <a14:imgEffect>
-                        <a14:backgroundRemoval t="21204" b="72037" l="46563" r="73125"/>
-                      </a14:imgEffect>
-                    </a14:imgLayer>
-                  </a14:imgProps>
-                </a:ext>
-              </a:extLst>
-            </a:blip>
-            <a:srcRect l="46160" t="20344" r="24952" b="26546"/>
-            <a:stretch/>
-          </p:blipFill>
-          <p:spPr>
-            <a:xfrm>
-              <a:off x="711069" y="3616995"/>
-              <a:ext cx="2943352" cy="3043863"/>
-            </a:xfrm>
-            <a:prstGeom prst="rect">
-              <a:avLst/>
-            </a:prstGeom>
-          </p:spPr>
-        </p:pic>
-        <p:pic>
-          <p:nvPicPr>
-            <p:cNvPr id="11" name="Imagen 10">
-              <a:extLst>
-                <a:ext uri="{FF2B5EF4-FFF2-40B4-BE49-F238E27FC236}">
-                  <a16:creationId xmlns:a16="http://schemas.microsoft.com/office/drawing/2014/main" id="{2867B300-09A6-439F-BBED-B6114E4B60F1}"/>
-                </a:ext>
-              </a:extLst>
-            </p:cNvPr>
-            <p:cNvPicPr>
-              <a:picLocks noChangeAspect="1"/>
-            </p:cNvPicPr>
-            <p:nvPr/>
-          </p:nvPicPr>
-          <p:blipFill>
-            <a:blip r:embed="rId8">
-              <a:extLst>
-                <a:ext uri="{28A0092B-C50C-407E-A947-70E740481C1C}">
-                  <a14:useLocalDpi xmlns:a14="http://schemas.microsoft.com/office/drawing/2010/main" val="0"/>
-                </a:ext>
-              </a:extLst>
-            </a:blip>
-            <a:stretch>
-              <a:fillRect/>
-            </a:stretch>
-          </p:blipFill>
-          <p:spPr>
-            <a:xfrm>
-              <a:off x="1838063" y="4676611"/>
-              <a:ext cx="689362" cy="689362"/>
-            </a:xfrm>
-            <a:prstGeom prst="rect">
-              <a:avLst/>
-            </a:prstGeom>
-          </p:spPr>
-        </p:pic>
-        <p:sp>
-          <p:nvSpPr>
-            <p:cNvPr id="13" name="CuadroTexto 12">
-              <a:extLst>
-                <a:ext uri="{FF2B5EF4-FFF2-40B4-BE49-F238E27FC236}">
-                  <a16:creationId xmlns:a16="http://schemas.microsoft.com/office/drawing/2014/main" id="{9722BBA5-E1F8-4FC1-A659-9418A3E293E7}"/>
-                </a:ext>
-              </a:extLst>
-            </p:cNvPr>
-            <p:cNvSpPr txBox="1"/>
-            <p:nvPr/>
-          </p:nvSpPr>
-          <p:spPr>
-            <a:xfrm>
-              <a:off x="1643975" y="5365973"/>
-              <a:ext cx="1077539" cy="584775"/>
-            </a:xfrm>
-            <a:prstGeom prst="rect">
-              <a:avLst/>
-            </a:prstGeom>
-            <a:noFill/>
-          </p:spPr>
-          <p:txBody>
-            <a:bodyPr wrap="none" rtlCol="0">
-              <a:spAutoFit/>
-            </a:bodyPr>
-            <a:lstStyle/>
-            <a:p>
-              <a:pPr algn="ctr"/>
-              <a:r>
-                <a:rPr lang="es-ES" sz="1600" dirty="0">
-                  <a:latin typeface="Ink Free" panose="03080402000500000000" pitchFamily="66" charset="0"/>
-                </a:rPr>
-                <a:t>Simulation</a:t>
-              </a:r>
-            </a:p>
-            <a:p>
-              <a:pPr algn="ctr"/>
-              <a:r>
-                <a:rPr lang="es-ES" sz="1600" dirty="0">
-                  <a:latin typeface="Ink Free" panose="03080402000500000000" pitchFamily="66" charset="0"/>
-                </a:rPr>
-                <a:t>Model</a:t>
-              </a:r>
-            </a:p>
-          </p:txBody>
-        </p:sp>
-      </p:grpSp>
-      <p:grpSp>
-        <p:nvGrpSpPr>
-          <p:cNvPr id="16" name="Grupo 15">
-            <a:extLst>
-              <a:ext uri="{FF2B5EF4-FFF2-40B4-BE49-F238E27FC236}">
-                <a16:creationId xmlns:a16="http://schemas.microsoft.com/office/drawing/2014/main" id="{601DF264-696C-42DA-AF8C-F86190F2BBEC}"/>
-              </a:ext>
-            </a:extLst>
-          </p:cNvPr>
-          <p:cNvGrpSpPr>
-            <a:grpSpLocks noChangeAspect="1"/>
-          </p:cNvGrpSpPr>
+          </a:xfrm>
+          <a:prstGeom prst="rect">
+            <a:avLst/>
+          </a:prstGeom>
+        </p:spPr>
+      </p:pic>
+      <p:pic>
+        <p:nvPicPr>
+          <p:cNvPr id="11" name="Imagen 10">
+            <a:extLst>
+              <a:ext uri="{FF2B5EF4-FFF2-40B4-BE49-F238E27FC236}">
+                <a16:creationId xmlns:a16="http://schemas.microsoft.com/office/drawing/2014/main" id="{2867B300-09A6-439F-BBED-B6114E4B60F1}"/>
+              </a:ext>
+            </a:extLst>
+          </p:cNvPr>
+          <p:cNvPicPr>
+            <a:picLocks noChangeAspect="1"/>
+          </p:cNvPicPr>
           <p:nvPr/>
-        </p:nvGrpSpPr>
-        <p:grpSpPr>
+        </p:nvPicPr>
+        <p:blipFill>
+          <a:blip r:embed="rId8">
+            <a:extLst>
+              <a:ext uri="{28A0092B-C50C-407E-A947-70E740481C1C}">
+                <a14:useLocalDpi xmlns:a14="http://schemas.microsoft.com/office/drawing/2010/main" val="0"/>
+              </a:ext>
+            </a:extLst>
+          </a:blip>
+          <a:stretch>
+            <a:fillRect/>
+          </a:stretch>
+        </p:blipFill>
+        <p:spPr>
           <a:xfrm>
-            <a:off x="4469395" y="3917955"/>
-            <a:ext cx="2610844" cy="2700000"/>
-            <a:chOff x="4391345" y="3615258"/>
-            <a:chExt cx="2945032" cy="3045600"/>
-          </a:xfrm>
-        </p:grpSpPr>
-        <p:pic>
-          <p:nvPicPr>
-            <p:cNvPr id="6" name="Imagen 5">
-              <a:extLst>
-                <a:ext uri="{FF2B5EF4-FFF2-40B4-BE49-F238E27FC236}">
-                  <a16:creationId xmlns:a16="http://schemas.microsoft.com/office/drawing/2014/main" id="{0F6D73F3-9285-4C06-B779-6CD84A9BD574}"/>
-                </a:ext>
-              </a:extLst>
-            </p:cNvPr>
-            <p:cNvPicPr>
-              <a:picLocks noChangeAspect="1"/>
-            </p:cNvPicPr>
-            <p:nvPr/>
-          </p:nvPicPr>
-          <p:blipFill rotWithShape="1">
-            <a:blip r:embed="rId6">
-              <a:extLst>
-                <a:ext uri="{BEBA8EAE-BF5A-486C-A8C5-ECC9F3942E4B}">
-                  <a14:imgProps xmlns:a14="http://schemas.microsoft.com/office/drawing/2010/main">
-                    <a14:imgLayer r:embed="rId7">
-                      <a14:imgEffect>
-                        <a14:backgroundRemoval t="21204" b="72037" l="46563" r="73125"/>
-                      </a14:imgEffect>
-                    </a14:imgLayer>
-                  </a14:imgProps>
-                </a:ext>
-              </a:extLst>
-            </a:blip>
-            <a:srcRect l="46160" t="20344" r="24952" b="26546"/>
-            <a:stretch/>
-          </p:blipFill>
-          <p:spPr>
-            <a:xfrm>
-              <a:off x="4391345" y="3615258"/>
-              <a:ext cx="2945032" cy="3045600"/>
-            </a:xfrm>
-            <a:prstGeom prst="rect">
-              <a:avLst/>
-            </a:prstGeom>
-          </p:spPr>
-        </p:pic>
-        <p:pic>
-          <p:nvPicPr>
-            <p:cNvPr id="10" name="Imagen 9">
-              <a:extLst>
-                <a:ext uri="{FF2B5EF4-FFF2-40B4-BE49-F238E27FC236}">
-                  <a16:creationId xmlns:a16="http://schemas.microsoft.com/office/drawing/2014/main" id="{FB516D96-3B1E-4C8B-A376-A9F80593B2A7}"/>
-                </a:ext>
-              </a:extLst>
-            </p:cNvPr>
-            <p:cNvPicPr>
-              <a:picLocks noChangeAspect="1"/>
-            </p:cNvPicPr>
-            <p:nvPr/>
-          </p:nvPicPr>
-          <p:blipFill>
-            <a:blip r:embed="rId8">
-              <a:extLst>
-                <a:ext uri="{28A0092B-C50C-407E-A947-70E740481C1C}">
-                  <a14:useLocalDpi xmlns:a14="http://schemas.microsoft.com/office/drawing/2010/main" val="0"/>
-                </a:ext>
-              </a:extLst>
-            </a:blip>
-            <a:stretch>
-              <a:fillRect/>
-            </a:stretch>
-          </p:blipFill>
-          <p:spPr>
-            <a:xfrm>
-              <a:off x="5518261" y="4676611"/>
-              <a:ext cx="691200" cy="691200"/>
-            </a:xfrm>
-            <a:prstGeom prst="rect">
-              <a:avLst/>
-            </a:prstGeom>
-          </p:spPr>
-        </p:pic>
-        <p:sp>
-          <p:nvSpPr>
-            <p:cNvPr id="14" name="CuadroTexto 13">
-              <a:extLst>
-                <a:ext uri="{FF2B5EF4-FFF2-40B4-BE49-F238E27FC236}">
-                  <a16:creationId xmlns:a16="http://schemas.microsoft.com/office/drawing/2014/main" id="{540CB6EB-3C35-4DCB-9E79-E2CD047E27C6}"/>
-                </a:ext>
-              </a:extLst>
-            </p:cNvPr>
-            <p:cNvSpPr txBox="1"/>
-            <p:nvPr/>
-          </p:nvSpPr>
-          <p:spPr>
-            <a:xfrm>
-              <a:off x="5398829" y="5365972"/>
-              <a:ext cx="930063" cy="584775"/>
-            </a:xfrm>
-            <a:prstGeom prst="rect">
-              <a:avLst/>
-            </a:prstGeom>
-            <a:noFill/>
-          </p:spPr>
-          <p:txBody>
-            <a:bodyPr wrap="none" rtlCol="0">
-              <a:spAutoFit/>
-            </a:bodyPr>
-            <a:lstStyle/>
-            <a:p>
-              <a:pPr algn="ctr"/>
-              <a:r>
-                <a:rPr lang="es-ES" sz="1600" dirty="0">
-                  <a:latin typeface="Ink Free" panose="03080402000500000000" pitchFamily="66" charset="0"/>
-                </a:rPr>
-                <a:t>Control</a:t>
-              </a:r>
-            </a:p>
-            <a:p>
-              <a:pPr algn="ctr"/>
-              <a:r>
-                <a:rPr lang="es-ES" sz="1600" dirty="0">
-                  <a:latin typeface="Ink Free" panose="03080402000500000000" pitchFamily="66" charset="0"/>
-                </a:rPr>
-                <a:t>Program</a:t>
-              </a:r>
-            </a:p>
-          </p:txBody>
-        </p:sp>
-      </p:grpSp>
-      <p:sp>
-        <p:nvSpPr>
-          <p:cNvPr id="18" name="CuadroTexto 17">
-            <a:extLst>
-              <a:ext uri="{FF2B5EF4-FFF2-40B4-BE49-F238E27FC236}">
-                <a16:creationId xmlns:a16="http://schemas.microsoft.com/office/drawing/2014/main" id="{5125E1A5-BFC9-4DBB-9651-A28B2480ED00}"/>
+            <a:off x="2452134" y="4857390"/>
+            <a:ext cx="611486" cy="611485"/>
+          </a:xfrm>
+          <a:prstGeom prst="rect">
+            <a:avLst/>
+          </a:prstGeom>
+        </p:spPr>
+      </p:pic>
+      <p:sp>
+        <p:nvSpPr>
+          <p:cNvPr id="13" name="CuadroTexto 12">
+            <a:extLst>
+              <a:ext uri="{FF2B5EF4-FFF2-40B4-BE49-F238E27FC236}">
+                <a16:creationId xmlns:a16="http://schemas.microsoft.com/office/drawing/2014/main" id="{9722BBA5-E1F8-4FC1-A659-9418A3E293E7}"/>
               </a:ext>
             </a:extLst>
           </p:cNvPr>
@@ -3848,8 +3953,8 @@
         </p:nvSpPr>
         <p:spPr>
           <a:xfrm>
-            <a:off x="1957183" y="4519313"/>
-            <a:ext cx="415498" cy="338554"/>
+            <a:off x="2279971" y="5469351"/>
+            <a:ext cx="955811" cy="518713"/>
           </a:xfrm>
           <a:prstGeom prst="rect">
             <a:avLst/>
@@ -3857,6 +3962,177 @@
           <a:noFill/>
         </p:spPr>
         <p:txBody>
+          <a:bodyPr wrap="none" rtlCol="0">
+            <a:spAutoFit/>
+          </a:bodyPr>
+          <a:lstStyle/>
+          <a:p>
+            <a:pPr algn="ctr"/>
+            <a:r>
+              <a:rPr lang="es-ES" sz="1600" dirty="0">
+                <a:latin typeface="Ink Free" panose="03080402000500000000" pitchFamily="66" charset="0"/>
+              </a:rPr>
+              <a:t>Simulation</a:t>
+            </a:r>
+          </a:p>
+          <a:p>
+            <a:pPr algn="ctr"/>
+            <a:r>
+              <a:rPr lang="es-ES" sz="1600" dirty="0">
+                <a:latin typeface="Ink Free" panose="03080402000500000000" pitchFamily="66" charset="0"/>
+              </a:rPr>
+              <a:t>Model</a:t>
+            </a:r>
+          </a:p>
+        </p:txBody>
+      </p:sp>
+      <p:pic>
+        <p:nvPicPr>
+          <p:cNvPr id="6" name="Imagen 5">
+            <a:extLst>
+              <a:ext uri="{FF2B5EF4-FFF2-40B4-BE49-F238E27FC236}">
+                <a16:creationId xmlns:a16="http://schemas.microsoft.com/office/drawing/2014/main" id="{0F6D73F3-9285-4C06-B779-6CD84A9BD574}"/>
+              </a:ext>
+            </a:extLst>
+          </p:cNvPr>
+          <p:cNvPicPr>
+            <a:picLocks noChangeAspect="1"/>
+          </p:cNvPicPr>
+          <p:nvPr/>
+        </p:nvPicPr>
+        <p:blipFill rotWithShape="1">
+          <a:blip r:embed="rId6">
+            <a:extLst>
+              <a:ext uri="{BEBA8EAE-BF5A-486C-A8C5-ECC9F3942E4B}">
+                <a14:imgProps xmlns:a14="http://schemas.microsoft.com/office/drawing/2010/main">
+                  <a14:imgLayer r:embed="rId7">
+                    <a14:imgEffect>
+                      <a14:backgroundRemoval t="21204" b="72037" l="46563" r="73125"/>
+                    </a14:imgEffect>
+                  </a14:imgLayer>
+                </a14:imgProps>
+              </a:ext>
+            </a:extLst>
+          </a:blip>
+          <a:srcRect l="46160" t="20344" r="24952" b="26546"/>
+          <a:stretch/>
+        </p:blipFill>
+        <p:spPr>
+          <a:xfrm>
+            <a:off x="4599141" y="3917955"/>
+            <a:ext cx="2610844" cy="2700000"/>
+          </a:xfrm>
+          <a:prstGeom prst="rect">
+            <a:avLst/>
+          </a:prstGeom>
+        </p:spPr>
+      </p:pic>
+      <p:pic>
+        <p:nvPicPr>
+          <p:cNvPr id="10" name="Imagen 9">
+            <a:extLst>
+              <a:ext uri="{FF2B5EF4-FFF2-40B4-BE49-F238E27FC236}">
+                <a16:creationId xmlns:a16="http://schemas.microsoft.com/office/drawing/2014/main" id="{FB516D96-3B1E-4C8B-A376-A9F80593B2A7}"/>
+              </a:ext>
+            </a:extLst>
+          </p:cNvPr>
+          <p:cNvPicPr>
+            <a:picLocks noChangeAspect="1"/>
+          </p:cNvPicPr>
+          <p:nvPr/>
+        </p:nvPicPr>
+        <p:blipFill>
+          <a:blip r:embed="rId8">
+            <a:extLst>
+              <a:ext uri="{28A0092B-C50C-407E-A947-70E740481C1C}">
+                <a14:useLocalDpi xmlns:a14="http://schemas.microsoft.com/office/drawing/2010/main" val="0"/>
+              </a:ext>
+            </a:extLst>
+          </a:blip>
+          <a:stretch>
+            <a:fillRect/>
+          </a:stretch>
+        </p:blipFill>
+        <p:spPr>
+          <a:xfrm>
+            <a:off x="5051648" y="4854670"/>
+            <a:ext cx="612766" cy="612766"/>
+          </a:xfrm>
+          <a:prstGeom prst="rect">
+            <a:avLst/>
+          </a:prstGeom>
+        </p:spPr>
+      </p:pic>
+      <p:sp>
+        <p:nvSpPr>
+          <p:cNvPr id="14" name="CuadroTexto 13">
+            <a:extLst>
+              <a:ext uri="{FF2B5EF4-FFF2-40B4-BE49-F238E27FC236}">
+                <a16:creationId xmlns:a16="http://schemas.microsoft.com/office/drawing/2014/main" id="{540CB6EB-3C35-4DCB-9E79-E2CD047E27C6}"/>
+              </a:ext>
+            </a:extLst>
+          </p:cNvPr>
+          <p:cNvSpPr txBox="1"/>
+          <p:nvPr/>
+        </p:nvSpPr>
+        <p:spPr>
+          <a:xfrm>
+            <a:off x="4945769" y="5474790"/>
+            <a:ext cx="824524" cy="518418"/>
+          </a:xfrm>
+          <a:prstGeom prst="rect">
+            <a:avLst/>
+          </a:prstGeom>
+          <a:noFill/>
+        </p:spPr>
+        <p:txBody>
+          <a:bodyPr wrap="none" rtlCol="0">
+            <a:spAutoFit/>
+          </a:bodyPr>
+          <a:lstStyle/>
+          <a:p>
+            <a:pPr algn="ctr"/>
+            <a:r>
+              <a:rPr lang="es-ES" sz="1600" dirty="0">
+                <a:latin typeface="Ink Free" panose="03080402000500000000" pitchFamily="66" charset="0"/>
+              </a:rPr>
+              <a:t>Control</a:t>
+            </a:r>
+          </a:p>
+          <a:p>
+            <a:pPr algn="ctr"/>
+            <a:r>
+              <a:rPr lang="es-ES" sz="1600" dirty="0">
+                <a:latin typeface="Ink Free" panose="03080402000500000000" pitchFamily="66" charset="0"/>
+              </a:rPr>
+              <a:t>Program</a:t>
+            </a:r>
+          </a:p>
+        </p:txBody>
+      </p:sp>
+      <p:sp>
+        <p:nvSpPr>
+          <p:cNvPr id="18" name="CuadroTexto 17">
+            <a:extLst>
+              <a:ext uri="{FF2B5EF4-FFF2-40B4-BE49-F238E27FC236}">
+                <a16:creationId xmlns:a16="http://schemas.microsoft.com/office/drawing/2014/main" id="{5125E1A5-BFC9-4DBB-9651-A28B2480ED00}"/>
+              </a:ext>
+            </a:extLst>
+          </p:cNvPr>
+          <p:cNvSpPr txBox="1"/>
+          <p:nvPr/>
+        </p:nvSpPr>
+        <p:spPr>
+          <a:xfrm>
+            <a:off x="2086929" y="4519313"/>
+            <a:ext cx="415498" cy="338554"/>
+          </a:xfrm>
+          <a:prstGeom prst="rect">
+            <a:avLst/>
+          </a:prstGeom>
+          <a:noFill/>
+        </p:spPr>
+        <p:txBody>
           <a:bodyPr wrap="square" rtlCol="0">
             <a:spAutoFit/>
           </a:bodyPr>
@@ -3885,7 +4161,7 @@
         </p:nvSpPr>
         <p:spPr>
           <a:xfrm>
-            <a:off x="5579088" y="4524704"/>
+            <a:off x="5708834" y="4524704"/>
             <a:ext cx="431528" cy="338554"/>
           </a:xfrm>
           <a:prstGeom prst="rect">
@@ -3936,7 +4212,7 @@
         </p:blipFill>
         <p:spPr>
           <a:xfrm>
-            <a:off x="7415692" y="5400575"/>
+            <a:off x="7545438" y="5400575"/>
             <a:ext cx="328133" cy="328133"/>
           </a:xfrm>
           <a:prstGeom prst="rect">
@@ -3972,7 +4248,7 @@
         </p:blipFill>
         <p:spPr>
           <a:xfrm rot="16200000">
-            <a:off x="5387868" y="2397698"/>
+            <a:off x="5517614" y="2397698"/>
             <a:ext cx="767489" cy="641886"/>
           </a:xfrm>
           <a:prstGeom prst="rect">
@@ -3994,7 +4270,7 @@
         </p:nvSpPr>
         <p:spPr>
           <a:xfrm>
-            <a:off x="5481308" y="3479862"/>
+            <a:off x="5611054" y="3479862"/>
             <a:ext cx="580608" cy="461665"/>
           </a:xfrm>
           <a:prstGeom prst="rect">
@@ -4045,7 +4321,7 @@
         </p:blipFill>
         <p:spPr>
           <a:xfrm>
-            <a:off x="1669764" y="3827572"/>
+            <a:off x="1799510" y="3827572"/>
             <a:ext cx="997918" cy="609644"/>
           </a:xfrm>
           <a:prstGeom prst="rect">
@@ -4067,7 +4343,7 @@
         </p:nvSpPr>
         <p:spPr>
           <a:xfrm>
-            <a:off x="1812111" y="3975453"/>
+            <a:off x="1941857" y="3975453"/>
             <a:ext cx="705642" cy="307777"/>
           </a:xfrm>
           <a:prstGeom prst="rect">
@@ -4118,7 +4394,7 @@
         </p:blipFill>
         <p:spPr>
           <a:xfrm>
-            <a:off x="5272653" y="3819218"/>
+            <a:off x="5402399" y="3819218"/>
             <a:ext cx="997918" cy="609644"/>
           </a:xfrm>
           <a:prstGeom prst="rect">
@@ -4140,7 +4416,7 @@
         </p:nvSpPr>
         <p:spPr>
           <a:xfrm>
-            <a:off x="5396349" y="3947739"/>
+            <a:off x="5526095" y="3947739"/>
             <a:ext cx="750526" cy="584775"/>
           </a:xfrm>
           <a:prstGeom prst="rect">
@@ -4194,7 +4470,7 @@
         </p:blipFill>
         <p:spPr>
           <a:xfrm>
-            <a:off x="8882536" y="3837715"/>
+            <a:off x="9012282" y="3837715"/>
             <a:ext cx="997918" cy="609644"/>
           </a:xfrm>
           <a:prstGeom prst="rect">
@@ -4216,7 +4492,7 @@
         </p:nvSpPr>
         <p:spPr>
           <a:xfrm>
-            <a:off x="8998567" y="3993190"/>
+            <a:off x="9128313" y="3993190"/>
             <a:ext cx="750526" cy="307777"/>
           </a:xfrm>
           <a:prstGeom prst="rect">
@@ -4254,8 +4530,8 @@
         </p:nvSpPr>
         <p:spPr>
           <a:xfrm>
-            <a:off x="6242797" y="2392023"/>
-            <a:ext cx="1035861" cy="646331"/>
+            <a:off x="6176580" y="2369530"/>
+            <a:ext cx="3238387" cy="646331"/>
           </a:xfrm>
           <a:prstGeom prst="rect">
             <a:avLst/>
@@ -4285,7 +4561,7 @@
                 <a:effectLst/>
                 <a:latin typeface="Ink Free" panose="03080402000500000000" pitchFamily="66" charset="0"/>
               </a:rPr>
-              <a:t>RIP</a:t>
+              <a:t>Communications</a:t>
             </a:r>
           </a:p>
         </p:txBody>
@@ -4323,7 +4599,7 @@
         </p:blipFill>
         <p:spPr>
           <a:xfrm>
-            <a:off x="5567356" y="3114748"/>
+            <a:off x="5697102" y="3114748"/>
             <a:ext cx="452487" cy="452486"/>
           </a:xfrm>
           <a:prstGeom prst="rect">
@@ -4364,8 +4640,270 @@
         </p:blipFill>
         <p:spPr>
           <a:xfrm>
-            <a:off x="5540364" y="1892673"/>
+            <a:off x="5670110" y="1892673"/>
             <a:ext cx="506470" cy="471340"/>
+          </a:xfrm>
+          <a:prstGeom prst="rect">
+            <a:avLst/>
+          </a:prstGeom>
+        </p:spPr>
+      </p:pic>
+      <p:pic>
+        <p:nvPicPr>
+          <p:cNvPr id="31" name="Imagen 27">
+            <a:extLst>
+              <a:ext uri="{FF2B5EF4-FFF2-40B4-BE49-F238E27FC236}">
+                <a16:creationId xmlns:a16="http://schemas.microsoft.com/office/drawing/2014/main" id="{C7540D9C-F75A-4410-8893-DAD8CD10937B}"/>
+              </a:ext>
+            </a:extLst>
+          </p:cNvPr>
+          <p:cNvPicPr>
+            <a:picLocks noChangeAspect="1"/>
+          </p:cNvPicPr>
+          <p:nvPr/>
+        </p:nvPicPr>
+        <p:blipFill>
+          <a:blip r:embed="rId10">
+            <a:extLst>
+              <a:ext uri="{28A0092B-C50C-407E-A947-70E740481C1C}">
+                <a14:useLocalDpi xmlns:a14="http://schemas.microsoft.com/office/drawing/2010/main" val="0"/>
+              </a:ext>
+            </a:extLst>
+          </a:blip>
+          <a:stretch>
+            <a:fillRect/>
+          </a:stretch>
+        </p:blipFill>
+        <p:spPr>
+          <a:xfrm rot="10800000">
+            <a:off x="2073680" y="4991123"/>
+            <a:ext cx="416416" cy="348268"/>
+          </a:xfrm>
+          <a:prstGeom prst="rect">
+            <a:avLst/>
+          </a:prstGeom>
+        </p:spPr>
+      </p:pic>
+      <p:pic>
+        <p:nvPicPr>
+          <p:cNvPr id="32" name="Imagen 27">
+            <a:extLst>
+              <a:ext uri="{FF2B5EF4-FFF2-40B4-BE49-F238E27FC236}">
+                <a16:creationId xmlns:a16="http://schemas.microsoft.com/office/drawing/2014/main" id="{3F448DBD-A8E8-4DE4-9B6E-DB85CB8A8345}"/>
+              </a:ext>
+            </a:extLst>
+          </p:cNvPr>
+          <p:cNvPicPr>
+            <a:picLocks noChangeAspect="1"/>
+          </p:cNvPicPr>
+          <p:nvPr/>
+        </p:nvPicPr>
+        <p:blipFill>
+          <a:blip r:embed="rId10">
+            <a:extLst>
+              <a:ext uri="{28A0092B-C50C-407E-A947-70E740481C1C}">
+                <a14:useLocalDpi xmlns:a14="http://schemas.microsoft.com/office/drawing/2010/main" val="0"/>
+              </a:ext>
+            </a:extLst>
+          </a:blip>
+          <a:stretch>
+            <a:fillRect/>
+          </a:stretch>
+        </p:blipFill>
+        <p:spPr>
+          <a:xfrm rot="10800000">
+            <a:off x="5630160" y="4994098"/>
+            <a:ext cx="416416" cy="348268"/>
+          </a:xfrm>
+          <a:prstGeom prst="rect">
+            <a:avLst/>
+          </a:prstGeom>
+        </p:spPr>
+      </p:pic>
+      <p:sp>
+        <p:nvSpPr>
+          <p:cNvPr id="33" name="CuadroTexto 12">
+            <a:extLst>
+              <a:ext uri="{FF2B5EF4-FFF2-40B4-BE49-F238E27FC236}">
+                <a16:creationId xmlns:a16="http://schemas.microsoft.com/office/drawing/2014/main" id="{206AC308-55FE-40D9-8322-CD6EDA3EA2C7}"/>
+              </a:ext>
+            </a:extLst>
+          </p:cNvPr>
+          <p:cNvSpPr txBox="1"/>
+          <p:nvPr/>
+        </p:nvSpPr>
+        <p:spPr>
+          <a:xfrm>
+            <a:off x="1269047" y="5468875"/>
+            <a:ext cx="1016624" cy="338554"/>
+          </a:xfrm>
+          <a:prstGeom prst="rect">
+            <a:avLst/>
+          </a:prstGeom>
+          <a:noFill/>
+        </p:spPr>
+        <p:txBody>
+          <a:bodyPr wrap="none" rtlCol="0">
+            <a:spAutoFit/>
+          </a:bodyPr>
+          <a:lstStyle/>
+          <a:p>
+            <a:pPr algn="ctr"/>
+            <a:r>
+              <a:rPr lang="es-ES" sz="1600" dirty="0">
+                <a:latin typeface="Ink Free" panose="03080402000500000000" pitchFamily="66" charset="0"/>
+              </a:rPr>
+              <a:t>Controller</a:t>
+            </a:r>
+          </a:p>
+        </p:txBody>
+      </p:sp>
+      <p:pic>
+        <p:nvPicPr>
+          <p:cNvPr id="36" name="Imagen 10">
+            <a:extLst>
+              <a:ext uri="{FF2B5EF4-FFF2-40B4-BE49-F238E27FC236}">
+                <a16:creationId xmlns:a16="http://schemas.microsoft.com/office/drawing/2014/main" id="{C2E1E7F4-DDCC-40B2-9EB6-2DC33EE57D85}"/>
+              </a:ext>
+            </a:extLst>
+          </p:cNvPr>
+          <p:cNvPicPr>
+            <a:picLocks noChangeAspect="1"/>
+          </p:cNvPicPr>
+          <p:nvPr/>
+        </p:nvPicPr>
+        <p:blipFill>
+          <a:blip r:embed="rId8">
+            <a:extLst>
+              <a:ext uri="{28A0092B-C50C-407E-A947-70E740481C1C}">
+                <a14:useLocalDpi xmlns:a14="http://schemas.microsoft.com/office/drawing/2010/main" val="0"/>
+              </a:ext>
+            </a:extLst>
+          </a:blip>
+          <a:stretch>
+            <a:fillRect/>
+          </a:stretch>
+        </p:blipFill>
+        <p:spPr>
+          <a:xfrm>
+            <a:off x="1490150" y="4854670"/>
+            <a:ext cx="611486" cy="611485"/>
+          </a:xfrm>
+          <a:prstGeom prst="rect">
+            <a:avLst/>
+          </a:prstGeom>
+        </p:spPr>
+      </p:pic>
+      <p:sp>
+        <p:nvSpPr>
+          <p:cNvPr id="42" name="CuadroTexto 12">
+            <a:extLst>
+              <a:ext uri="{FF2B5EF4-FFF2-40B4-BE49-F238E27FC236}">
+                <a16:creationId xmlns:a16="http://schemas.microsoft.com/office/drawing/2014/main" id="{BEE87518-18B4-42D2-8F1F-FD12B0CD633E}"/>
+              </a:ext>
+            </a:extLst>
+          </p:cNvPr>
+          <p:cNvSpPr txBox="1"/>
+          <p:nvPr/>
+        </p:nvSpPr>
+        <p:spPr>
+          <a:xfrm>
+            <a:off x="1537197" y="5054193"/>
+            <a:ext cx="503722" cy="276999"/>
+          </a:xfrm>
+          <a:prstGeom prst="rect">
+            <a:avLst/>
+          </a:prstGeom>
+          <a:solidFill>
+            <a:schemeClr val="bg1"/>
+          </a:solidFill>
+        </p:spPr>
+        <p:txBody>
+          <a:bodyPr wrap="square" rtlCol="0">
+            <a:spAutoFit/>
+          </a:bodyPr>
+          <a:lstStyle/>
+          <a:p>
+            <a:pPr algn="ctr"/>
+            <a:r>
+              <a:rPr lang="es-ES" sz="1200" dirty="0">
+                <a:latin typeface="Ink Free" panose="03080402000500000000" pitchFamily="66" charset="0"/>
+              </a:rPr>
+              <a:t>PID</a:t>
+            </a:r>
+          </a:p>
+        </p:txBody>
+      </p:sp>
+      <p:sp>
+        <p:nvSpPr>
+          <p:cNvPr id="44" name="CuadroTexto 12">
+            <a:extLst>
+              <a:ext uri="{FF2B5EF4-FFF2-40B4-BE49-F238E27FC236}">
+                <a16:creationId xmlns:a16="http://schemas.microsoft.com/office/drawing/2014/main" id="{8BFD9AE7-7616-40A6-8848-7E817AF6417E}"/>
+              </a:ext>
+            </a:extLst>
+          </p:cNvPr>
+          <p:cNvSpPr txBox="1"/>
+          <p:nvPr/>
+        </p:nvSpPr>
+        <p:spPr>
+          <a:xfrm>
+            <a:off x="5822718" y="5449155"/>
+            <a:ext cx="1103187" cy="584775"/>
+          </a:xfrm>
+          <a:prstGeom prst="rect">
+            <a:avLst/>
+          </a:prstGeom>
+          <a:noFill/>
+        </p:spPr>
+        <p:txBody>
+          <a:bodyPr wrap="none" rtlCol="0">
+            <a:spAutoFit/>
+          </a:bodyPr>
+          <a:lstStyle/>
+          <a:p>
+            <a:pPr algn="ctr"/>
+            <a:r>
+              <a:rPr lang="es-ES" sz="1600" dirty="0">
+                <a:latin typeface="Ink Free" panose="03080402000500000000" pitchFamily="66" charset="0"/>
+              </a:rPr>
+              <a:t>Lab</a:t>
+            </a:r>
+          </a:p>
+          <a:p>
+            <a:pPr algn="ctr"/>
+            <a:r>
+              <a:rPr lang="es-ES" sz="1600" dirty="0">
+                <a:latin typeface="Ink Free" panose="03080402000500000000" pitchFamily="66" charset="0"/>
+              </a:rPr>
+              <a:t>Equipment</a:t>
+            </a:r>
+          </a:p>
+        </p:txBody>
+      </p:sp>
+      <p:pic>
+        <p:nvPicPr>
+          <p:cNvPr id="35" name="Imagen 32" descr="Imagen que contiene accesorios metálicos, interior, pared, engranaje&#10;&#10;Descripción generada automáticamente">
+            <a:extLst>
+              <a:ext uri="{FF2B5EF4-FFF2-40B4-BE49-F238E27FC236}">
+                <a16:creationId xmlns:a16="http://schemas.microsoft.com/office/drawing/2014/main" id="{E38CE741-FBDA-4B2F-AFA1-FAF888974E77}"/>
+              </a:ext>
+            </a:extLst>
+          </p:cNvPr>
+          <p:cNvPicPr>
+            <a:picLocks noChangeAspect="1"/>
+          </p:cNvPicPr>
+          <p:nvPr/>
+        </p:nvPicPr>
+        <p:blipFill rotWithShape="1">
+          <a:blip r:embed="rId14"/>
+          <a:srcRect l="6279" t="17459" r="7073" b="20769"/>
+          <a:stretch/>
+        </p:blipFill>
+        <p:spPr>
+          <a:xfrm>
+            <a:off x="6053190" y="4912831"/>
+            <a:ext cx="642241" cy="520943"/>
           </a:xfrm>
           <a:prstGeom prst="rect">
             <a:avLst/>
@@ -4382,6 +4920,84 @@
   <p:clrMapOvr>
     <a:masterClrMapping/>
   </p:clrMapOvr>
+  <p:timing>
+    <p:tnLst>
+      <p:par>
+        <p:cTn id="1" dur="indefinite" restart="never" nodeType="tmRoot">
+          <p:childTnLst>
+            <p:seq concurrent="1" nextAc="seek">
+              <p:cTn id="2" dur="indefinite" nodeType="mainSeq">
+                <p:childTnLst>
+                  <p:par>
+                    <p:cTn id="3" fill="hold">
+                      <p:stCondLst>
+                        <p:cond delay="indefinite"/>
+                        <p:cond evt="onBegin" delay="0">
+                          <p:tn val="2"/>
+                        </p:cond>
+                      </p:stCondLst>
+                      <p:childTnLst>
+                        <p:par>
+                          <p:cTn id="4" fill="hold">
+                            <p:stCondLst>
+                              <p:cond delay="0"/>
+                            </p:stCondLst>
+                            <p:childTnLst>
+                              <p:par>
+                                <p:cTn id="5" presetID="1" presetClass="entr" presetSubtype="0" fill="hold" nodeType="withEffect">
+                                  <p:stCondLst>
+                                    <p:cond delay="0"/>
+                                  </p:stCondLst>
+                                  <p:childTnLst>
+                                    <p:set>
+                                      <p:cBhvr>
+                                        <p:cTn id="6" dur="1" fill="hold">
+                                          <p:stCondLst>
+                                            <p:cond delay="0"/>
+                                          </p:stCondLst>
+                                        </p:cTn>
+                                        <p:tgtEl>
+                                          <p:spTgt spid="35"/>
+                                        </p:tgtEl>
+                                        <p:attrNameLst>
+                                          <p:attrName>style.visibility</p:attrName>
+                                        </p:attrNameLst>
+                                      </p:cBhvr>
+                                      <p:to>
+                                        <p:strVal val="visible"/>
+                                      </p:to>
+                                    </p:set>
+                                  </p:childTnLst>
+                                </p:cTn>
+                              </p:par>
+                            </p:childTnLst>
+                          </p:cTn>
+                        </p:par>
+                      </p:childTnLst>
+                    </p:cTn>
+                  </p:par>
+                </p:childTnLst>
+              </p:cTn>
+              <p:prevCondLst>
+                <p:cond evt="onPrev" delay="0">
+                  <p:tgtEl>
+                    <p:sldTgt/>
+                  </p:tgtEl>
+                </p:cond>
+              </p:prevCondLst>
+              <p:nextCondLst>
+                <p:cond evt="onNext" delay="0">
+                  <p:tgtEl>
+                    <p:sldTgt/>
+                  </p:tgtEl>
+                </p:cond>
+              </p:nextCondLst>
+            </p:seq>
+          </p:childTnLst>
+        </p:cTn>
+      </p:par>
+    </p:tnLst>
+  </p:timing>
 </p:sld>
 </file>
 
